--- a/presentation/Part2_group_upgrade.pptx
+++ b/presentation/Part2_group_upgrade.pptx
@@ -4943,7 +4943,7 @@
         </p:nvSpPr>
         <p:spPr>
           <a:xfrm>
-            <a:off x="795726" y="322104"/>
+            <a:off x="838200" y="180746"/>
             <a:ext cx="10515600" cy="1325563"/>
           </a:xfrm>
         </p:spPr>
@@ -5005,50 +5005,44 @@
         </p:blipFill>
         <p:spPr>
           <a:xfrm>
-            <a:off x="115889" y="1647667"/>
-            <a:ext cx="11960221" cy="4414184"/>
+            <a:off x="971995" y="3133286"/>
+            <a:ext cx="9791484" cy="3613763"/>
           </a:xfrm>
           <a:prstGeom prst="rect">
             <a:avLst/>
           </a:prstGeom>
         </p:spPr>
       </p:pic>
-      <p:sp>
-        <p:nvSpPr>
-          <p:cNvPr id="8" name="TextBox 7">
-            <a:extLst>
-              <a:ext uri="{FF2B5EF4-FFF2-40B4-BE49-F238E27FC236}">
-                <a16:creationId xmlns:a16="http://schemas.microsoft.com/office/drawing/2014/main" id="{39F2CBD3-245D-FA10-04B2-BE089FC92E71}"/>
-              </a:ext>
-            </a:extLst>
-          </p:cNvPr>
-          <p:cNvSpPr txBox="1"/>
+      <p:pic>
+        <p:nvPicPr>
+          <p:cNvPr id="3" name="Picture 2">
+            <a:extLst>
+              <a:ext uri="{FF2B5EF4-FFF2-40B4-BE49-F238E27FC236}">
+                <a16:creationId xmlns:a16="http://schemas.microsoft.com/office/drawing/2014/main" id="{ADB2BE05-1A6E-3D1B-9318-95E2619FF31E}"/>
+              </a:ext>
+            </a:extLst>
+          </p:cNvPr>
+          <p:cNvPicPr>
+            <a:picLocks noChangeAspect="1"/>
+          </p:cNvPicPr>
           <p:nvPr/>
-        </p:nvSpPr>
+        </p:nvPicPr>
+        <p:blipFill>
+          <a:blip r:embed="rId4"/>
+          <a:stretch>
+            <a:fillRect/>
+          </a:stretch>
+        </p:blipFill>
         <p:spPr>
           <a:xfrm>
-            <a:off x="795726" y="6061851"/>
-            <a:ext cx="8903591" cy="400110"/>
+            <a:off x="3168819" y="1352073"/>
+            <a:ext cx="4894932" cy="1670263"/>
           </a:xfrm>
           <a:prstGeom prst="rect">
             <a:avLst/>
           </a:prstGeom>
-          <a:noFill/>
         </p:spPr>
-        <p:txBody>
-          <a:bodyPr wrap="none" rtlCol="0">
-            <a:spAutoFit/>
-          </a:bodyPr>
-          <a:lstStyle/>
-          <a:p>
-            <a:r>
-              <a:rPr lang="en-GB" sz="2000" dirty="0"/>
-              <a:t>PFA successfully balances quality and fairness in sequential recommendations</a:t>
-            </a:r>
-            <a:endParaRPr lang="en-FI" sz="2000" dirty="0"/>
-          </a:p>
-        </p:txBody>
-      </p:sp>
+      </p:pic>
     </p:spTree>
     <p:extLst>
       <p:ext uri="{BB962C8B-B14F-4D97-AF65-F5344CB8AC3E}">

--- a/presentation/Part2_group_upgrade.pptx
+++ b/presentation/Part2_group_upgrade.pptx
@@ -4689,7 +4689,7 @@
         </p:blipFill>
         <p:spPr>
           <a:xfrm>
-            <a:off x="0" y="0"/>
+            <a:off x="93775" y="164139"/>
             <a:ext cx="12192000" cy="6858000"/>
           </a:xfrm>
           <a:prstGeom prst="rect">
@@ -4821,8 +4821,8 @@
         </p:nvSpPr>
         <p:spPr>
           <a:xfrm>
-            <a:off x="8509883" y="1133202"/>
-            <a:ext cx="1974067" cy="1569660"/>
+            <a:off x="8294537" y="1133202"/>
+            <a:ext cx="2404762" cy="1569660"/>
           </a:xfrm>
           <a:prstGeom prst="rect">
             <a:avLst/>
@@ -4859,9 +4859,21 @@
             </a:br>
             <a:r>
               <a:rPr lang="en-GB" sz="2400" dirty="0"/>
-              <a:t> PFA</a:t>
-            </a:r>
-            <a:endParaRPr lang="en-FI" sz="2400" dirty="0"/>
+              <a:t> </a:t>
+            </a:r>
+            <a:r>
+              <a:rPr lang="en-GB" sz="2400" dirty="0">
+                <a:solidFill>
+                  <a:srgbClr val="FF0000"/>
+                </a:solidFill>
+              </a:rPr>
+              <a:t>PFA (best result)</a:t>
+            </a:r>
+            <a:endParaRPr lang="en-FI" sz="2400" dirty="0">
+              <a:solidFill>
+                <a:srgbClr val="FF0000"/>
+              </a:solidFill>
+            </a:endParaRPr>
           </a:p>
         </p:txBody>
       </p:sp>
@@ -4954,26 +4966,26 @@
           <a:lstStyle/>
           <a:p>
             <a:r>
-              <a:rPr lang="en-GB" sz="4000" b="1" dirty="0"/>
-              <a:t>Results</a:t>
-            </a:r>
-            <a:r>
-              <a:rPr lang="zh-CN" altLang="en-US" sz="4000" b="1" dirty="0"/>
+              <a:rPr lang="en-GB" sz="3600" b="1" dirty="0"/>
+              <a:t>PFA Results</a:t>
+            </a:r>
+            <a:r>
+              <a:rPr lang="zh-CN" altLang="en-US" sz="3600" b="1" dirty="0"/>
               <a:t> </a:t>
             </a:r>
             <a:r>
-              <a:rPr lang="en-US" altLang="zh-CN" sz="4000" b="1" dirty="0"/>
+              <a:rPr lang="en-US" altLang="zh-CN" sz="3600" b="1" dirty="0"/>
               <a:t>1</a:t>
             </a:r>
             <a:r>
-              <a:rPr lang="en-GB" sz="4000" b="1" dirty="0"/>
+              <a:rPr lang="en-GB" sz="3600" b="1" dirty="0"/>
               <a:t> - Single Group Test _ Visualization</a:t>
             </a:r>
             <a:br>
-              <a:rPr lang="en-GB" sz="3600" b="1" dirty="0"/>
+              <a:rPr lang="en-GB" sz="3200" b="1" dirty="0"/>
             </a:br>
             <a:r>
-              <a:rPr lang="en-GB" sz="2800" b="1" dirty="0">
+              <a:rPr lang="en-GB" sz="2400" b="1" dirty="0">
                 <a:solidFill>
                   <a:srgbClr val="00B0F0"/>
                 </a:solidFill>
@@ -5138,26 +5150,26 @@
           <a:lstStyle/>
           <a:p>
             <a:r>
-              <a:rPr lang="en-GB" sz="4000" b="1" dirty="0"/>
-              <a:t>Results </a:t>
-            </a:r>
-            <a:r>
-              <a:rPr lang="en-US" altLang="zh-CN" sz="4000" b="1" dirty="0"/>
+              <a:rPr lang="en-GB" sz="3600" b="1" dirty="0"/>
+              <a:t>PFA Results </a:t>
+            </a:r>
+            <a:r>
+              <a:rPr lang="en-US" altLang="zh-CN" sz="3600" b="1" dirty="0"/>
               <a:t>2</a:t>
             </a:r>
             <a:r>
-              <a:rPr lang="zh-CN" altLang="en-US" sz="4000" b="1" dirty="0"/>
+              <a:rPr lang="zh-CN" altLang="en-US" sz="3600" b="1" dirty="0"/>
               <a:t> </a:t>
             </a:r>
             <a:r>
-              <a:rPr lang="en-GB" sz="4000" b="1" dirty="0"/>
+              <a:rPr lang="en-GB" sz="3600" b="1" dirty="0"/>
               <a:t>- Multi-Group Validation</a:t>
             </a:r>
             <a:br>
-              <a:rPr lang="en-GB" sz="3600" b="1" dirty="0"/>
+              <a:rPr lang="en-GB" sz="3200" b="1" dirty="0"/>
             </a:br>
             <a:r>
-              <a:rPr lang="en-GB" sz="2800" b="1" dirty="0">
+              <a:rPr lang="en-GB" sz="2400" b="1" dirty="0">
                 <a:solidFill>
                   <a:srgbClr val="00B0F0"/>
                 </a:solidFill>
@@ -5165,7 +5177,7 @@
               <a:t>Testing Across Diverse </a:t>
             </a:r>
             <a:r>
-              <a:rPr lang="en-US" altLang="zh-CN" sz="2800" b="1" dirty="0">
+              <a:rPr lang="en-US" altLang="zh-CN" sz="2400" b="1" dirty="0">
                 <a:solidFill>
                   <a:srgbClr val="00B0F0"/>
                 </a:solidFill>
@@ -5173,7 +5185,7 @@
               <a:t>10</a:t>
             </a:r>
             <a:r>
-              <a:rPr lang="zh-CN" altLang="en-US" sz="2800" b="1" dirty="0">
+              <a:rPr lang="zh-CN" altLang="en-US" sz="2400" b="1" dirty="0">
                 <a:solidFill>
                   <a:srgbClr val="00B0F0"/>
                 </a:solidFill>
@@ -5181,7 +5193,7 @@
               <a:t> </a:t>
             </a:r>
             <a:r>
-              <a:rPr lang="en-GB" sz="2800" b="1" dirty="0">
+              <a:rPr lang="en-GB" sz="2400" b="1" dirty="0">
                 <a:solidFill>
                   <a:srgbClr val="00B0F0"/>
                 </a:solidFill>
@@ -5189,7 +5201,7 @@
               <a:t>Groups – </a:t>
             </a:r>
             <a:r>
-              <a:rPr lang="en-US" altLang="zh-CN" sz="2800" b="1" dirty="0">
+              <a:rPr lang="en-US" altLang="zh-CN" sz="2400" b="1" dirty="0">
                 <a:solidFill>
                   <a:srgbClr val="00B0F0"/>
                 </a:solidFill>
@@ -5197,7 +5209,7 @@
               <a:t>also</a:t>
             </a:r>
             <a:r>
-              <a:rPr lang="zh-CN" altLang="en-US" sz="2800" b="1" dirty="0">
+              <a:rPr lang="zh-CN" altLang="en-US" sz="2400" b="1" dirty="0">
                 <a:solidFill>
                   <a:srgbClr val="00B0F0"/>
                 </a:solidFill>
@@ -5205,7 +5217,7 @@
               <a:t> </a:t>
             </a:r>
             <a:r>
-              <a:rPr lang="en-GB" sz="2800" b="1" dirty="0">
+              <a:rPr lang="en-GB" sz="2400" b="1" dirty="0">
                 <a:solidFill>
                   <a:srgbClr val="00B0F0"/>
                 </a:solidFill>
